--- a/Week4 Assignment.pptx
+++ b/Week4 Assignment.pptx
@@ -1326,6 +1326,90 @@
     </a:lvl9pPr>
   </p:notesStyle>
 </p:notesMaster>
+</file>
+
+<file path=ppt/notesSlides/notesSlide1.xml><?xml version="1.0" encoding="utf-8"?>
+<p:notes xmlns:a="http://schemas.openxmlformats.org/drawingml/2006/main" xmlns:r="http://schemas.openxmlformats.org/officeDocument/2006/relationships" xmlns:p="http://schemas.openxmlformats.org/presentationml/2006/main">
+  <p:cSld>
+    <p:spTree>
+      <p:nvGrpSpPr>
+        <p:cNvPr id="1" name=""/>
+        <p:cNvGrpSpPr/>
+        <p:nvPr/>
+      </p:nvGrpSpPr>
+      <p:grpSpPr>
+        <a:xfrm>
+          <a:off x="0" y="0"/>
+          <a:ext cx="0" cy="0"/>
+          <a:chOff x="0" y="0"/>
+          <a:chExt cx="0" cy="0"/>
+        </a:xfrm>
+      </p:grpSpPr>
+      <p:sp>
+        <p:nvSpPr>
+          <p:cNvPr id="2" name="Slide Image Placeholder 1"/>
+          <p:cNvSpPr>
+            <a:spLocks noGrp="1" noRot="1" noChangeAspect="1"/>
+          </p:cNvSpPr>
+          <p:nvPr>
+            <p:ph type="sldImg"/>
+          </p:nvPr>
+        </p:nvSpPr>
+        <p:spPr/>
+      </p:sp>
+      <p:sp>
+        <p:nvSpPr>
+          <p:cNvPr id="3" name="Notes Placeholder 2"/>
+          <p:cNvSpPr>
+            <a:spLocks noGrp="1"/>
+          </p:cNvSpPr>
+          <p:nvPr>
+            <p:ph type="body" idx="1"/>
+          </p:nvPr>
+        </p:nvSpPr>
+        <p:spPr/>
+        <p:txBody>
+          <a:bodyPr/>
+          <a:lstStyle/>
+          <a:p>
+            <a:endParaRPr lang="en-ID" dirty="0"/>
+          </a:p>
+        </p:txBody>
+      </p:sp>
+      <p:sp>
+        <p:nvSpPr>
+          <p:cNvPr id="4" name="Slide Number Placeholder 3"/>
+          <p:cNvSpPr>
+            <a:spLocks noGrp="1"/>
+          </p:cNvSpPr>
+          <p:nvPr>
+            <p:ph type="sldNum" sz="quarter" idx="5"/>
+          </p:nvPr>
+        </p:nvSpPr>
+        <p:spPr/>
+        <p:txBody>
+          <a:bodyPr/>
+          <a:lstStyle/>
+          <a:p>
+            <a:fld id="{F97DC217-DF71-1A49-B3EA-559F1F43B0FF}" type="slidenum">
+              <a:rPr lang="en-US" smtClean="0"/>
+              <a:t>4</a:t>
+            </a:fld>
+            <a:endParaRPr lang="en-US" dirty="0"/>
+          </a:p>
+        </p:txBody>
+      </p:sp>
+    </p:spTree>
+    <p:extLst>
+      <p:ext uri="{BB962C8B-B14F-4D97-AF65-F5344CB8AC3E}">
+        <p14:creationId xmlns:p14="http://schemas.microsoft.com/office/powerpoint/2010/main" val="3487040028"/>
+      </p:ext>
+    </p:extLst>
+  </p:cSld>
+  <p:clrMapOvr>
+    <a:masterClrMapping/>
+  </p:clrMapOvr>
+</p:notes>
 </file>
 
 <file path=ppt/slideLayouts/slideLayout1.xml><?xml version="1.0" encoding="utf-8"?>
@@ -17567,6 +17651,20 @@
             </a:r>
           </a:p>
           <a:p>
+            <a:pPr marL="457200" indent="-457200">
+              <a:buAutoNum type="arabicPeriod"/>
+            </a:pPr>
+            <a:r>
+              <a:rPr lang="en-US" dirty="0"/>
+              <a:t>For Olympic event committee, number of sport events that female athletes can join in should </a:t>
+            </a:r>
+            <a:r>
+              <a:rPr lang="en-US"/>
+              <a:t>be increased</a:t>
+            </a:r>
+            <a:endParaRPr lang="en-US" dirty="0"/>
+          </a:p>
+          <a:p>
             <a:endParaRPr lang="en-US" dirty="0"/>
           </a:p>
         </p:txBody>
@@ -18165,23 +18263,116 @@
         </p:spPr>
         <p:txBody>
           <a:bodyPr vert="horz" lIns="91440" tIns="45720" rIns="91440" bIns="45720" rtlCol="0" anchor="t">
-            <a:normAutofit fontScale="77500" lnSpcReduction="20000"/>
+            <a:normAutofit/>
           </a:bodyPr>
           <a:lstStyle/>
           <a:p>
+            <a:pPr marL="457200" indent="-457200">
+              <a:buFont typeface="+mj-lt"/>
+              <a:buAutoNum type="arabicPeriod"/>
+            </a:pPr>
             <a:r>
               <a:rPr lang="en-US" dirty="0"/>
-              <a:t>This project aims to explore what kind of aspects than have contribution to maximize the number of medals achieved by a country in Olympic Games. To compete in Olympic Games, there are certain rules that must be complied to. One of the rule is the representation of each continent in the sport competition. It is also . It is also interesting to know whether some physical aspects have any role on the performances of athletes. </a:t>
-            </a:r>
-          </a:p>
-          <a:p>
+              <a:t>Background:</a:t>
+            </a:r>
+          </a:p>
+          <a:p>
+            <a:pPr marL="914400" lvl="1" indent="-457200">
+              <a:buFont typeface="Arial" panose="020B0604020202020204" pitchFamily="34" charset="0"/>
+              <a:buChar char="•"/>
+            </a:pPr>
+            <a:r>
+              <a:rPr lang="en-US" dirty="0">
+                <a:solidFill>
+                  <a:schemeClr val="bg1"/>
+                </a:solidFill>
+              </a:rPr>
+              <a:t>Explore any aspects that can maximize achievement (number of medals) by a country in Olympic Games</a:t>
+            </a:r>
+          </a:p>
+          <a:p>
+            <a:pPr marL="457200" indent="-457200">
+              <a:buFont typeface="+mj-lt"/>
+              <a:buAutoNum type="arabicPeriod"/>
+            </a:pPr>
+            <a:r>
+              <a:rPr lang="en-US" dirty="0"/>
+              <a:t>Target:</a:t>
+            </a:r>
+          </a:p>
+          <a:p>
+            <a:pPr marL="914400" lvl="1" indent="-457200">
+              <a:buFont typeface="Arial" panose="020B0604020202020204" pitchFamily="34" charset="0"/>
+              <a:buChar char="•"/>
+            </a:pPr>
+            <a:r>
+              <a:rPr lang="en-US" b="1" dirty="0">
+                <a:solidFill>
+                  <a:schemeClr val="bg1"/>
+                </a:solidFill>
+              </a:rPr>
+              <a:t>Coaches or committee</a:t>
+            </a:r>
+            <a:r>
+              <a:rPr lang="en-US" dirty="0">
+                <a:solidFill>
+                  <a:schemeClr val="bg1"/>
+                </a:solidFill>
+              </a:rPr>
+              <a:t> of national sports team </a:t>
+            </a:r>
+          </a:p>
+          <a:p>
+            <a:pPr marL="914400" lvl="1" indent="-457200">
+              <a:buFont typeface="Arial" panose="020B0604020202020204" pitchFamily="34" charset="0"/>
+              <a:buChar char="•"/>
+            </a:pPr>
+            <a:r>
+              <a:rPr lang="en-US" dirty="0">
+                <a:solidFill>
+                  <a:schemeClr val="bg1"/>
+                </a:solidFill>
+              </a:rPr>
+              <a:t>Olympic event committee</a:t>
+            </a:r>
+          </a:p>
+          <a:p>
+            <a:pPr marL="914400" lvl="1" indent="-457200">
+              <a:buFont typeface="Arial" panose="020B0604020202020204" pitchFamily="34" charset="0"/>
+              <a:buChar char="•"/>
+            </a:pPr>
+            <a:r>
+              <a:rPr lang="en-US" dirty="0">
+                <a:solidFill>
+                  <a:schemeClr val="bg1"/>
+                </a:solidFill>
+              </a:rPr>
+              <a:t>Show findings as evaluation material</a:t>
+            </a:r>
+          </a:p>
+          <a:p>
+            <a:pPr marL="914400" lvl="1" indent="-457200">
+              <a:buFont typeface="Arial" panose="020B0604020202020204" pitchFamily="34" charset="0"/>
+              <a:buChar char="•"/>
+            </a:pPr>
             <a:endParaRPr lang="en-US" dirty="0"/>
           </a:p>
           <a:p>
-            <a:r>
-              <a:rPr lang="en-US" dirty="0"/>
-              <a:t>This project can be insightful for coaches or committee of national sports team to evaluate the performances of athletes sent to Olympic Games, or to decide which athletes to be sent.</a:t>
-            </a:r>
+            <a:pPr marL="914400" lvl="1" indent="-457200">
+              <a:buFont typeface="+mj-lt"/>
+              <a:buAutoNum type="arabicPeriod"/>
+            </a:pPr>
+            <a:endParaRPr lang="en-US" dirty="0"/>
+          </a:p>
+          <a:p>
+            <a:pPr marL="457200" indent="-457200">
+              <a:buFont typeface="+mj-lt"/>
+              <a:buAutoNum type="arabicPeriod"/>
+            </a:pPr>
+            <a:endParaRPr lang="en-US" dirty="0"/>
+          </a:p>
+          <a:p>
+            <a:endParaRPr lang="en-US" dirty="0"/>
           </a:p>
           <a:p>
             <a:endParaRPr lang="en-US" dirty="0"/>
@@ -20168,25 +20359,6 @@
 </file>
 
 <file path=customXml/item1.xml><?xml version="1.0" encoding="utf-8"?>
-<p:properties xmlns:p="http://schemas.microsoft.com/office/2006/metadata/properties" xmlns:xsi="http://www.w3.org/2001/XMLSchema-instance" xmlns:pc="http://schemas.microsoft.com/office/infopath/2007/PartnerControls">
-  <documentManagement>
-    <_ip_UnifiedCompliancePolicyUIAction xmlns="http://schemas.microsoft.com/sharepoint/v3" xsi:nil="true"/>
-    <Image xmlns="71af3243-3dd4-4a8d-8c0d-dd76da1f02a5">
-      <Url xsi:nil="true"/>
-      <Description xsi:nil="true"/>
-    </Image>
-    <Status xmlns="71af3243-3dd4-4a8d-8c0d-dd76da1f02a5">Not started</Status>
-    <_ip_UnifiedCompliancePolicyProperties xmlns="http://schemas.microsoft.com/sharepoint/v3" xsi:nil="true"/>
-    <ImageTagsTaxHTField xmlns="71af3243-3dd4-4a8d-8c0d-dd76da1f02a5">
-      <Terms xmlns="http://schemas.microsoft.com/office/infopath/2007/PartnerControls"/>
-    </ImageTagsTaxHTField>
-    <TaxCatchAll xmlns="230e9df3-be65-4c73-a93b-d1236ebd677e"/>
-    <MediaServiceKeyPoints xmlns="71af3243-3dd4-4a8d-8c0d-dd76da1f02a5" xsi:nil="true"/>
-  </documentManagement>
-</p:properties>
-</file>
-
-<file path=customXml/item2.xml><?xml version="1.0" encoding="utf-8"?>
 <ct:contentTypeSchema xmlns:ct="http://schemas.microsoft.com/office/2006/metadata/contentType" xmlns:ma="http://schemas.microsoft.com/office/2006/metadata/properties/metaAttributes" ct:_="" ma:_="" ma:contentTypeName="Document" ma:contentTypeID="0x01010079F111ED35F8CC479449609E8A0923A6" ma:contentTypeVersion="21" ma:contentTypeDescription="Create a new document." ma:contentTypeScope="" ma:versionID="64dfb1555687e0874b4304b796b5b0c7">
   <xsd:schema xmlns:xsd="http://www.w3.org/2001/XMLSchema" xmlns:xs="http://www.w3.org/2001/XMLSchema" xmlns:p="http://schemas.microsoft.com/office/2006/metadata/properties" xmlns:ns1="http://schemas.microsoft.com/sharepoint/v3" xmlns:ns2="71af3243-3dd4-4a8d-8c0d-dd76da1f02a5" xmlns:ns3="16c05727-aa75-4e4a-9b5f-8a80a1165891" xmlns:ns4="230e9df3-be65-4c73-a93b-d1236ebd677e" targetNamespace="http://schemas.microsoft.com/office/2006/metadata/properties" ma:root="true" ma:fieldsID="e6e4c555b5e194d05b7203de9c4567b3" ns1:_="" ns2:_="" ns3:_="" ns4:_="">
     <xsd:import namespace="http://schemas.microsoft.com/sharepoint/v3"/>
@@ -20468,6 +20640,25 @@
 </ct:contentTypeSchema>
 </file>
 
+<file path=customXml/item2.xml><?xml version="1.0" encoding="utf-8"?>
+<p:properties xmlns:p="http://schemas.microsoft.com/office/2006/metadata/properties" xmlns:xsi="http://www.w3.org/2001/XMLSchema-instance" xmlns:pc="http://schemas.microsoft.com/office/infopath/2007/PartnerControls">
+  <documentManagement>
+    <_ip_UnifiedCompliancePolicyUIAction xmlns="http://schemas.microsoft.com/sharepoint/v3" xsi:nil="true"/>
+    <Image xmlns="71af3243-3dd4-4a8d-8c0d-dd76da1f02a5">
+      <Url xsi:nil="true"/>
+      <Description xsi:nil="true"/>
+    </Image>
+    <Status xmlns="71af3243-3dd4-4a8d-8c0d-dd76da1f02a5">Not started</Status>
+    <_ip_UnifiedCompliancePolicyProperties xmlns="http://schemas.microsoft.com/sharepoint/v3" xsi:nil="true"/>
+    <ImageTagsTaxHTField xmlns="71af3243-3dd4-4a8d-8c0d-dd76da1f02a5">
+      <Terms xmlns="http://schemas.microsoft.com/office/infopath/2007/PartnerControls"/>
+    </ImageTagsTaxHTField>
+    <TaxCatchAll xmlns="230e9df3-be65-4c73-a93b-d1236ebd677e"/>
+    <MediaServiceKeyPoints xmlns="71af3243-3dd4-4a8d-8c0d-dd76da1f02a5" xsi:nil="true"/>
+  </documentManagement>
+</p:properties>
+</file>
+
 <file path=customXml/item3.xml><?xml version="1.0" encoding="utf-8"?>
 <?mso-contentType ?>
 <FormTemplates xmlns="http://schemas.microsoft.com/sharepoint/v3/contenttype/forms">
@@ -20478,18 +20669,6 @@
 </file>
 
 <file path=customXml/itemProps1.xml><?xml version="1.0" encoding="utf-8"?>
-<ds:datastoreItem xmlns:ds="http://schemas.openxmlformats.org/officeDocument/2006/customXml" ds:itemID="{4D5BAB77-79E1-4739-AA51-10C9079186D6}">
-  <ds:schemaRefs>
-    <ds:schemaRef ds:uri="http://schemas.microsoft.com/office/2006/metadata/properties"/>
-    <ds:schemaRef ds:uri="http://schemas.microsoft.com/office/infopath/2007/PartnerControls"/>
-    <ds:schemaRef ds:uri="http://schemas.microsoft.com/sharepoint/v3"/>
-    <ds:schemaRef ds:uri="71af3243-3dd4-4a8d-8c0d-dd76da1f02a5"/>
-    <ds:schemaRef ds:uri="230e9df3-be65-4c73-a93b-d1236ebd677e"/>
-  </ds:schemaRefs>
-</ds:datastoreItem>
-</file>
-
-<file path=customXml/itemProps2.xml><?xml version="1.0" encoding="utf-8"?>
 <ds:datastoreItem xmlns:ds="http://schemas.openxmlformats.org/officeDocument/2006/customXml" ds:itemID="{4A615295-94F6-4CE2-A1B1-6B7E1DAA5AD6}">
   <ds:schemaRefs>
     <ds:schemaRef ds:uri="http://schemas.microsoft.com/office/2006/metadata/contentType"/>
@@ -20510,6 +20689,18 @@
 </ds:datastoreItem>
 </file>
 
+<file path=customXml/itemProps2.xml><?xml version="1.0" encoding="utf-8"?>
+<ds:datastoreItem xmlns:ds="http://schemas.openxmlformats.org/officeDocument/2006/customXml" ds:itemID="{4D5BAB77-79E1-4739-AA51-10C9079186D6}">
+  <ds:schemaRefs>
+    <ds:schemaRef ds:uri="http://schemas.microsoft.com/office/2006/metadata/properties"/>
+    <ds:schemaRef ds:uri="http://schemas.microsoft.com/office/infopath/2007/PartnerControls"/>
+    <ds:schemaRef ds:uri="http://schemas.microsoft.com/sharepoint/v3"/>
+    <ds:schemaRef ds:uri="71af3243-3dd4-4a8d-8c0d-dd76da1f02a5"/>
+    <ds:schemaRef ds:uri="230e9df3-be65-4c73-a93b-d1236ebd677e"/>
+  </ds:schemaRefs>
+</ds:datastoreItem>
+</file>
+
 <file path=customXml/itemProps3.xml><?xml version="1.0" encoding="utf-8"?>
 <ds:datastoreItem xmlns:ds="http://schemas.openxmlformats.org/officeDocument/2006/customXml" ds:itemID="{85334180-0405-413B-834A-44FA9E05ADB7}">
   <ds:schemaRefs>
